--- a/LAB13.pptx
+++ b/LAB13.pptx
@@ -7843,6 +7843,17 @@
             <a:endParaRPr lang="en-US" altLang="en-US"/>
           </a:p>
           <a:p>
+            <a:pPr lvl="8" indent="0">
+              <a:buFont typeface="Wingdings" panose="05000000000000000000" charset="0"/>
+              <a:buNone/>
+            </a:pPr>
+            <a:r>
+              <a:rPr lang="en-AU" altLang="en-US"/>
+              <a:t>top</a:t>
+            </a:r>
+            <a:endParaRPr lang="en-US" altLang="en-US"/>
+          </a:p>
+          <a:p>
             <a:pPr marL="285750" indent="-285750">
               <a:buFont typeface="Wingdings" panose="05000000000000000000" charset="0"/>
               <a:buChar char="q"/>
@@ -7868,7 +7879,7 @@
               <a:buFont typeface="Wingdings" panose="05000000000000000000" charset="0"/>
               <a:buChar char="q"/>
             </a:pPr>
-            <a:endParaRPr lang="en-US" altLang="en-US"/>
+            <a:endParaRPr lang="en-AU" altLang="en-US"/>
           </a:p>
           <a:p>
             <a:pPr marL="285750" indent="-285750">
@@ -7892,25 +7903,332 @@
             <a:endParaRPr lang="en-AU" altLang="en-US"/>
           </a:p>
           <a:p>
-            <a:pPr marL="285750" indent="-285750">
+            <a:pPr marL="3943350" lvl="8" indent="-285750">
               <a:buFont typeface="Wingdings" panose="05000000000000000000" charset="0"/>
               <a:buChar char="q"/>
             </a:pPr>
             <a:endParaRPr lang="en-AU" altLang="en-US"/>
           </a:p>
           <a:p>
-            <a:pPr marL="3943350" lvl="8" indent="-285750">
-              <a:buFont typeface="Wingdings" panose="05000000000000000000" charset="0"/>
-              <a:buChar char="q"/>
+            <a:pPr lvl="8" indent="0">
+              <a:buFont typeface="Wingdings" panose="05000000000000000000" charset="0"/>
+              <a:buNone/>
             </a:pPr>
             <a:endParaRPr lang="en-AU" altLang="en-US"/>
           </a:p>
-          <a:p>
-            <a:pPr lvl="8" indent="0">
-              <a:buFont typeface="Wingdings" panose="05000000000000000000" charset="0"/>
-              <a:buNone/>
-            </a:pPr>
-            <a:endParaRPr lang="en-AU" altLang="en-US"/>
+        </p:txBody>
+      </p:sp>
+      <p:sp>
+        <p:nvSpPr>
+          <p:cNvPr id="7" name="Rectangles 6"/>
+          <p:cNvSpPr/>
+          <p:nvPr/>
+        </p:nvSpPr>
+        <p:spPr>
+          <a:xfrm>
+            <a:off x="3938905" y="2115820"/>
+            <a:ext cx="7630160" cy="4138295"/>
+          </a:xfrm>
+          <a:prstGeom prst="rect">
+            <a:avLst/>
+          </a:prstGeom>
+          <a:ln>
+            <a:solidFill>
+              <a:schemeClr val="tx1"/>
+            </a:solidFill>
+          </a:ln>
+          <a:extLst>
+            <a:ext uri="{909E8E84-426E-40DD-AFC4-6F175D3DCCD1}">
+              <a14:hiddenFill xmlns:a14="http://schemas.microsoft.com/office/drawing/2010/main">
+                <a:solidFill>
+                  <a:schemeClr val="accent1"/>
+                </a:solidFill>
+              </a14:hiddenFill>
+            </a:ext>
+          </a:extLst>
+        </p:spPr>
+        <p:style>
+          <a:lnRef idx="3">
+            <a:schemeClr val="accent1"/>
+          </a:lnRef>
+          <a:fillRef idx="0">
+            <a:srgbClr val="FFFFFF"/>
+          </a:fillRef>
+          <a:effectRef idx="0">
+            <a:srgbClr val="FFFFFF"/>
+          </a:effectRef>
+          <a:fontRef idx="minor">
+            <a:schemeClr val="tx1"/>
+          </a:fontRef>
+        </p:style>
+        <p:txBody>
+          <a:bodyPr rtlCol="0" anchor="ctr"/>
+          <a:p>
+            <a:pPr algn="ctr"/>
+            <a:endParaRPr lang="en-US"/>
+          </a:p>
+        </p:txBody>
+      </p:sp>
+      <p:sp>
+        <p:nvSpPr>
+          <p:cNvPr id="3" name="Rectangles 2"/>
+          <p:cNvSpPr/>
+          <p:nvPr/>
+        </p:nvSpPr>
+        <p:spPr>
+          <a:xfrm>
+            <a:off x="9946005" y="2616200"/>
+            <a:ext cx="1473200" cy="3225800"/>
+          </a:xfrm>
+          <a:prstGeom prst="rect">
+            <a:avLst/>
+          </a:prstGeom>
+          <a:solidFill>
+            <a:schemeClr val="bg1">
+              <a:lumMod val="75000"/>
+            </a:schemeClr>
+          </a:solidFill>
+        </p:spPr>
+        <p:style>
+          <a:lnRef idx="0">
+            <a:srgbClr val="FFFFFF"/>
+          </a:lnRef>
+          <a:fillRef idx="1">
+            <a:schemeClr val="accent1"/>
+          </a:fillRef>
+          <a:effectRef idx="0">
+            <a:srgbClr val="FFFFFF"/>
+          </a:effectRef>
+          <a:fontRef idx="minor">
+            <a:schemeClr val="lt1"/>
+          </a:fontRef>
+        </p:style>
+        <p:txBody>
+          <a:bodyPr rtlCol="0" anchor="ctr"/>
+          <a:p>
+            <a:pPr algn="ctr"/>
+            <a:r>
+              <a:rPr lang="en-AU" altLang="en-US" sz="2400">
+                <a:solidFill>
+                  <a:schemeClr val="tx1"/>
+                </a:solidFill>
+              </a:rPr>
+              <a:t>DUT</a:t>
+            </a:r>
+            <a:endParaRPr lang="en-AU" altLang="en-US" sz="2400">
+              <a:solidFill>
+                <a:schemeClr val="tx1"/>
+              </a:solidFill>
+            </a:endParaRPr>
+          </a:p>
+        </p:txBody>
+      </p:sp>
+      <p:sp>
+        <p:nvSpPr>
+          <p:cNvPr id="6" name="Rectangles 5"/>
+          <p:cNvSpPr/>
+          <p:nvPr/>
+        </p:nvSpPr>
+        <p:spPr>
+          <a:xfrm>
+            <a:off x="7833995" y="3070860"/>
+            <a:ext cx="1077595" cy="2396490"/>
+          </a:xfrm>
+          <a:prstGeom prst="rect">
+            <a:avLst/>
+          </a:prstGeom>
+          <a:solidFill>
+            <a:schemeClr val="accent5">
+              <a:lumMod val="20000"/>
+              <a:lumOff val="80000"/>
+            </a:schemeClr>
+          </a:solidFill>
+          <a:ln>
+            <a:solidFill>
+              <a:schemeClr val="tx1"/>
+            </a:solidFill>
+          </a:ln>
+        </p:spPr>
+        <p:style>
+          <a:lnRef idx="3">
+            <a:schemeClr val="accent1"/>
+          </a:lnRef>
+          <a:fillRef idx="0">
+            <a:srgbClr val="FFFFFF"/>
+          </a:fillRef>
+          <a:effectRef idx="0">
+            <a:srgbClr val="FFFFFF"/>
+          </a:effectRef>
+          <a:fontRef idx="minor">
+            <a:schemeClr val="tx1"/>
+          </a:fontRef>
+        </p:style>
+        <p:txBody>
+          <a:bodyPr rtlCol="0" anchor="ctr"/>
+          <a:p>
+            <a:pPr algn="ctr"/>
+            <a:r>
+              <a:rPr lang="en-AU" altLang="en-US">
+                <a:solidFill>
+                  <a:schemeClr val="tx1"/>
+                </a:solidFill>
+              </a:rPr>
+              <a:t>interface</a:t>
+            </a:r>
+            <a:endParaRPr lang="en-AU" altLang="en-US">
+              <a:solidFill>
+                <a:schemeClr val="tx1"/>
+              </a:solidFill>
+            </a:endParaRPr>
+          </a:p>
+        </p:txBody>
+      </p:sp>
+      <p:sp>
+        <p:nvSpPr>
+          <p:cNvPr id="4" name="Left-Right Arrow 3"/>
+          <p:cNvSpPr/>
+          <p:nvPr/>
+        </p:nvSpPr>
+        <p:spPr>
+          <a:xfrm>
+            <a:off x="8949690" y="4044950"/>
+            <a:ext cx="990600" cy="381000"/>
+          </a:xfrm>
+          <a:prstGeom prst="leftRightArrow">
+            <a:avLst/>
+          </a:prstGeom>
+          <a:solidFill>
+            <a:schemeClr val="tx1"/>
+          </a:solidFill>
+          <a:ln>
+            <a:solidFill>
+              <a:schemeClr val="tx1"/>
+            </a:solidFill>
+          </a:ln>
+        </p:spPr>
+        <p:style>
+          <a:lnRef idx="2">
+            <a:schemeClr val="accent1">
+              <a:lumMod val="75000"/>
+            </a:schemeClr>
+          </a:lnRef>
+          <a:fillRef idx="1">
+            <a:schemeClr val="accent1"/>
+          </a:fillRef>
+          <a:effectRef idx="0">
+            <a:srgbClr val="FFFFFF"/>
+          </a:effectRef>
+          <a:fontRef idx="minor">
+            <a:schemeClr val="lt1"/>
+          </a:fontRef>
+        </p:style>
+        <p:txBody>
+          <a:bodyPr rtlCol="0" anchor="ctr"/>
+          <a:p>
+            <a:pPr algn="ctr"/>
+            <a:endParaRPr lang="en-US"/>
+          </a:p>
+        </p:txBody>
+      </p:sp>
+      <p:sp>
+        <p:nvSpPr>
+          <p:cNvPr id="8" name="Left-Right Arrow 7"/>
+          <p:cNvSpPr/>
+          <p:nvPr/>
+        </p:nvSpPr>
+        <p:spPr>
+          <a:xfrm>
+            <a:off x="6843395" y="4044950"/>
+            <a:ext cx="990600" cy="381000"/>
+          </a:xfrm>
+          <a:prstGeom prst="leftRightArrow">
+            <a:avLst/>
+          </a:prstGeom>
+          <a:solidFill>
+            <a:schemeClr val="tx1"/>
+          </a:solidFill>
+          <a:ln>
+            <a:solidFill>
+              <a:schemeClr val="tx1"/>
+            </a:solidFill>
+          </a:ln>
+        </p:spPr>
+        <p:style>
+          <a:lnRef idx="2">
+            <a:schemeClr val="accent1">
+              <a:lumMod val="75000"/>
+            </a:schemeClr>
+          </a:lnRef>
+          <a:fillRef idx="1">
+            <a:schemeClr val="accent1"/>
+          </a:fillRef>
+          <a:effectRef idx="0">
+            <a:srgbClr val="FFFFFF"/>
+          </a:effectRef>
+          <a:fontRef idx="minor">
+            <a:schemeClr val="lt1"/>
+          </a:fontRef>
+        </p:style>
+        <p:txBody>
+          <a:bodyPr rtlCol="0" anchor="ctr"/>
+          <a:p>
+            <a:pPr algn="ctr"/>
+            <a:endParaRPr lang="en-US"/>
+          </a:p>
+        </p:txBody>
+      </p:sp>
+      <p:sp>
+        <p:nvSpPr>
+          <p:cNvPr id="14" name="Rectangles 13"/>
+          <p:cNvSpPr/>
+          <p:nvPr/>
+        </p:nvSpPr>
+        <p:spPr>
+          <a:xfrm>
+            <a:off x="5326380" y="2616200"/>
+            <a:ext cx="1473200" cy="3225800"/>
+          </a:xfrm>
+          <a:prstGeom prst="rect">
+            <a:avLst/>
+          </a:prstGeom>
+          <a:solidFill>
+            <a:schemeClr val="accent6">
+              <a:lumMod val="20000"/>
+              <a:lumOff val="80000"/>
+            </a:schemeClr>
+          </a:solidFill>
+        </p:spPr>
+        <p:style>
+          <a:lnRef idx="0">
+            <a:srgbClr val="FFFFFF"/>
+          </a:lnRef>
+          <a:fillRef idx="1">
+            <a:schemeClr val="accent1"/>
+          </a:fillRef>
+          <a:effectRef idx="0">
+            <a:srgbClr val="FFFFFF"/>
+          </a:effectRef>
+          <a:fontRef idx="minor">
+            <a:schemeClr val="lt1"/>
+          </a:fontRef>
+        </p:style>
+        <p:txBody>
+          <a:bodyPr rtlCol="0" anchor="ctr"/>
+          <a:p>
+            <a:pPr algn="ctr"/>
+            <a:r>
+              <a:rPr lang="en-AU" altLang="en-US" sz="2400">
+                <a:solidFill>
+                  <a:schemeClr val="tx1"/>
+                </a:solidFill>
+              </a:rPr>
+              <a:t>TB</a:t>
+            </a:r>
+            <a:endParaRPr lang="en-AU" altLang="en-US" sz="2400">
+              <a:solidFill>
+                <a:schemeClr val="tx1"/>
+              </a:solidFill>
+            </a:endParaRPr>
           </a:p>
         </p:txBody>
       </p:sp>

--- a/LAB13.pptx
+++ b/LAB13.pptx
@@ -5383,6 +5383,132 @@
           </p:pic>
         </mc:Fallback>
       </mc:AlternateContent>
+      <p:sp>
+        <p:nvSpPr>
+          <p:cNvPr id="3" name="Rectangles 2"/>
+          <p:cNvSpPr/>
+          <p:nvPr/>
+        </p:nvSpPr>
+        <p:spPr>
+          <a:xfrm>
+            <a:off x="456565" y="1625600"/>
+            <a:ext cx="5165090" cy="1405255"/>
+          </a:xfrm>
+          <a:prstGeom prst="rect">
+            <a:avLst/>
+          </a:prstGeom>
+          <a:ln>
+            <a:solidFill>
+              <a:srgbClr val="ED1B2F"/>
+            </a:solidFill>
+          </a:ln>
+        </p:spPr>
+        <p:style>
+          <a:lnRef idx="3">
+            <a:schemeClr val="accent1"/>
+          </a:lnRef>
+          <a:fillRef idx="0">
+            <a:srgbClr val="FFFFFF"/>
+          </a:fillRef>
+          <a:effectRef idx="0">
+            <a:srgbClr val="FFFFFF"/>
+          </a:effectRef>
+          <a:fontRef idx="minor">
+            <a:schemeClr val="tx1"/>
+          </a:fontRef>
+        </p:style>
+        <p:txBody>
+          <a:bodyPr rtlCol="0" anchor="ctr"/>
+          <a:p>
+            <a:pPr algn="ctr"/>
+            <a:endParaRPr lang="en-US"/>
+          </a:p>
+        </p:txBody>
+      </p:sp>
+      <p:sp>
+        <p:nvSpPr>
+          <p:cNvPr id="6" name="Rectangles 5"/>
+          <p:cNvSpPr/>
+          <p:nvPr/>
+        </p:nvSpPr>
+        <p:spPr>
+          <a:xfrm>
+            <a:off x="466090" y="3962400"/>
+            <a:ext cx="5165090" cy="1895475"/>
+          </a:xfrm>
+          <a:prstGeom prst="rect">
+            <a:avLst/>
+          </a:prstGeom>
+          <a:ln>
+            <a:solidFill>
+              <a:srgbClr val="ED1B2F"/>
+            </a:solidFill>
+          </a:ln>
+        </p:spPr>
+        <p:style>
+          <a:lnRef idx="3">
+            <a:schemeClr val="accent1"/>
+          </a:lnRef>
+          <a:fillRef idx="0">
+            <a:srgbClr val="FFFFFF"/>
+          </a:fillRef>
+          <a:effectRef idx="0">
+            <a:srgbClr val="FFFFFF"/>
+          </a:effectRef>
+          <a:fontRef idx="minor">
+            <a:schemeClr val="tx1"/>
+          </a:fontRef>
+        </p:style>
+        <p:txBody>
+          <a:bodyPr rtlCol="0" anchor="ctr"/>
+          <a:p>
+            <a:pPr algn="ctr"/>
+            <a:endParaRPr lang="en-US"/>
+          </a:p>
+        </p:txBody>
+      </p:sp>
+      <p:sp>
+        <p:nvSpPr>
+          <p:cNvPr id="7" name="Rectangles 6"/>
+          <p:cNvSpPr/>
+          <p:nvPr/>
+        </p:nvSpPr>
+        <p:spPr>
+          <a:xfrm>
+            <a:off x="6426835" y="728345"/>
+            <a:ext cx="5165090" cy="2479040"/>
+          </a:xfrm>
+          <a:prstGeom prst="rect">
+            <a:avLst/>
+          </a:prstGeom>
+          <a:ln>
+            <a:solidFill>
+              <a:srgbClr val="ED1B2F"/>
+            </a:solidFill>
+          </a:ln>
+        </p:spPr>
+        <p:style>
+          <a:lnRef idx="3">
+            <a:schemeClr val="accent1"/>
+          </a:lnRef>
+          <a:fillRef idx="0">
+            <a:srgbClr val="FFFFFF"/>
+          </a:fillRef>
+          <a:effectRef idx="0">
+            <a:srgbClr val="FFFFFF"/>
+          </a:effectRef>
+          <a:fontRef idx="minor">
+            <a:schemeClr val="tx1"/>
+          </a:fontRef>
+        </p:style>
+        <p:txBody>
+          <a:bodyPr rtlCol="0" anchor="ctr"/>
+          <a:p>
+            <a:pPr algn="ctr"/>
+            <a:endParaRPr lang="en-US"/>
+          </a:p>
+        </p:txBody>
+      </p:sp>
     </p:spTree>
   </p:cSld>
   <p:clrMapOvr>
@@ -5942,6 +6068,191 @@
           </a:prstGeom>
         </p:spPr>
       </p:pic>
+      <p:cxnSp>
+        <p:nvCxnSpPr>
+          <p:cNvPr id="4" name="Straight Arrow Connector 3"/>
+          <p:cNvCxnSpPr/>
+          <p:nvPr/>
+        </p:nvCxnSpPr>
+        <p:spPr>
+          <a:xfrm flipV="1">
+            <a:off x="2556510" y="1692910"/>
+            <a:ext cx="711200" cy="558800"/>
+          </a:xfrm>
+          <a:prstGeom prst="straightConnector1">
+            <a:avLst/>
+          </a:prstGeom>
+          <a:ln w="31750" cap="rnd">
+            <a:solidFill>
+              <a:schemeClr val="accent1"/>
+            </a:solidFill>
+            <a:round/>
+            <a:tailEnd type="arrow" w="med" len="med"/>
+          </a:ln>
+        </p:spPr>
+        <p:style>
+          <a:lnRef idx="0">
+            <a:srgbClr val="FFFFFF"/>
+          </a:lnRef>
+          <a:fillRef idx="0">
+            <a:srgbClr val="FFFFFF"/>
+          </a:fillRef>
+          <a:effectRef idx="0">
+            <a:srgbClr val="FFFFFF"/>
+          </a:effectRef>
+          <a:fontRef idx="minor">
+            <a:schemeClr val="tx1"/>
+          </a:fontRef>
+        </p:style>
+      </p:cxnSp>
+      <p:cxnSp>
+        <p:nvCxnSpPr>
+          <p:cNvPr id="6" name="Straight Arrow Connector 5"/>
+          <p:cNvCxnSpPr/>
+          <p:nvPr/>
+        </p:nvCxnSpPr>
+        <p:spPr>
+          <a:xfrm flipV="1">
+            <a:off x="4563110" y="1134110"/>
+            <a:ext cx="711200" cy="558800"/>
+          </a:xfrm>
+          <a:prstGeom prst="straightConnector1">
+            <a:avLst/>
+          </a:prstGeom>
+          <a:ln w="31750" cap="rnd">
+            <a:solidFill>
+              <a:schemeClr val="accent1"/>
+            </a:solidFill>
+            <a:round/>
+            <a:tailEnd type="arrow" w="med" len="med"/>
+          </a:ln>
+        </p:spPr>
+        <p:style>
+          <a:lnRef idx="0">
+            <a:srgbClr val="FFFFFF"/>
+          </a:lnRef>
+          <a:fillRef idx="0">
+            <a:srgbClr val="FFFFFF"/>
+          </a:fillRef>
+          <a:effectRef idx="0">
+            <a:srgbClr val="FFFFFF"/>
+          </a:effectRef>
+          <a:fontRef idx="minor">
+            <a:schemeClr val="tx1"/>
+          </a:fontRef>
+        </p:style>
+      </p:cxnSp>
+      <p:cxnSp>
+        <p:nvCxnSpPr>
+          <p:cNvPr id="7" name="Straight Arrow Connector 6"/>
+          <p:cNvCxnSpPr/>
+          <p:nvPr/>
+        </p:nvCxnSpPr>
+        <p:spPr>
+          <a:xfrm flipV="1">
+            <a:off x="6781165" y="940435"/>
+            <a:ext cx="711200" cy="558800"/>
+          </a:xfrm>
+          <a:prstGeom prst="straightConnector1">
+            <a:avLst/>
+          </a:prstGeom>
+          <a:ln w="31750" cap="rnd">
+            <a:solidFill>
+              <a:schemeClr val="accent1"/>
+            </a:solidFill>
+            <a:round/>
+            <a:tailEnd type="arrow" w="med" len="med"/>
+          </a:ln>
+        </p:spPr>
+        <p:style>
+          <a:lnRef idx="0">
+            <a:srgbClr val="FFFFFF"/>
+          </a:lnRef>
+          <a:fillRef idx="0">
+            <a:srgbClr val="FFFFFF"/>
+          </a:fillRef>
+          <a:effectRef idx="0">
+            <a:srgbClr val="FFFFFF"/>
+          </a:effectRef>
+          <a:fontRef idx="minor">
+            <a:schemeClr val="tx1"/>
+          </a:fontRef>
+        </p:style>
+      </p:cxnSp>
+      <p:cxnSp>
+        <p:nvCxnSpPr>
+          <p:cNvPr id="8" name="Straight Arrow Connector 7"/>
+          <p:cNvCxnSpPr/>
+          <p:nvPr/>
+        </p:nvCxnSpPr>
+        <p:spPr>
+          <a:xfrm flipV="1">
+            <a:off x="9248775" y="956945"/>
+            <a:ext cx="711200" cy="558800"/>
+          </a:xfrm>
+          <a:prstGeom prst="straightConnector1">
+            <a:avLst/>
+          </a:prstGeom>
+          <a:ln w="31750" cap="rnd">
+            <a:solidFill>
+              <a:schemeClr val="accent1"/>
+            </a:solidFill>
+            <a:round/>
+            <a:tailEnd type="arrow" w="med" len="med"/>
+          </a:ln>
+        </p:spPr>
+        <p:style>
+          <a:lnRef idx="0">
+            <a:srgbClr val="FFFFFF"/>
+          </a:lnRef>
+          <a:fillRef idx="0">
+            <a:srgbClr val="FFFFFF"/>
+          </a:fillRef>
+          <a:effectRef idx="0">
+            <a:srgbClr val="FFFFFF"/>
+          </a:effectRef>
+          <a:fontRef idx="minor">
+            <a:schemeClr val="tx1"/>
+          </a:fontRef>
+        </p:style>
+      </p:cxnSp>
+      <p:cxnSp>
+        <p:nvCxnSpPr>
+          <p:cNvPr id="17" name="Straight Arrow Connector 16"/>
+          <p:cNvCxnSpPr/>
+          <p:nvPr/>
+        </p:nvCxnSpPr>
+        <p:spPr>
+          <a:xfrm flipV="1">
+            <a:off x="9143365" y="5968365"/>
+            <a:ext cx="711200" cy="558800"/>
+          </a:xfrm>
+          <a:prstGeom prst="straightConnector1">
+            <a:avLst/>
+          </a:prstGeom>
+          <a:ln w="31750" cap="rnd">
+            <a:solidFill>
+              <a:schemeClr val="accent1"/>
+            </a:solidFill>
+            <a:round/>
+            <a:tailEnd type="arrow" w="med" len="med"/>
+          </a:ln>
+        </p:spPr>
+        <p:style>
+          <a:lnRef idx="0">
+            <a:srgbClr val="FFFFFF"/>
+          </a:lnRef>
+          <a:fillRef idx="0">
+            <a:srgbClr val="FFFFFF"/>
+          </a:fillRef>
+          <a:effectRef idx="0">
+            <a:srgbClr val="FFFFFF"/>
+          </a:effectRef>
+          <a:fontRef idx="minor">
+            <a:schemeClr val="tx1"/>
+          </a:fontRef>
+        </p:style>
+      </p:cxnSp>
     </p:spTree>
   </p:cSld>
   <p:clrMapOvr>
